--- a/veriT.pptx
+++ b/veriT.pptx
@@ -104,6 +104,11 @@
       </a:defRPr>
     </a:lvl9pPr>
   </p:defaultTextStyle>
+  <p:extLst>
+    <p:ext uri="{EFAFB233-063F-42B5-8137-9DF3F51BA10A}">
+      <p15:sldGuideLst xmlns:p15="http://schemas.microsoft.com/office/powerpoint/2012/main"/>
+    </p:ext>
+  </p:extLst>
 </p:presentation>
 </file>
 
@@ -238,7 +243,7 @@
           <a:p>
             <a:fld id="{FAFDB3B2-25B6-8E49-BD6C-2F16E5D3C91E}" type="datetimeFigureOut">
               <a:rPr kumimoji="1" lang="ja-JP" altLang="en-US" smtClean="0"/>
-              <a:t>2019/2/12</a:t>
+              <a:t>2019/2/13</a:t>
             </a:fld>
             <a:endParaRPr kumimoji="1" lang="ja-JP" altLang="en-US"/>
           </a:p>
@@ -416,7 +421,7 @@
           <a:p>
             <a:fld id="{FAFDB3B2-25B6-8E49-BD6C-2F16E5D3C91E}" type="datetimeFigureOut">
               <a:rPr kumimoji="1" lang="ja-JP" altLang="en-US" smtClean="0"/>
-              <a:t>2019/2/12</a:t>
+              <a:t>2019/2/13</a:t>
             </a:fld>
             <a:endParaRPr kumimoji="1" lang="ja-JP" altLang="en-US"/>
           </a:p>
@@ -604,7 +609,7 @@
           <a:p>
             <a:fld id="{FAFDB3B2-25B6-8E49-BD6C-2F16E5D3C91E}" type="datetimeFigureOut">
               <a:rPr kumimoji="1" lang="ja-JP" altLang="en-US" smtClean="0"/>
-              <a:t>2019/2/12</a:t>
+              <a:t>2019/2/13</a:t>
             </a:fld>
             <a:endParaRPr kumimoji="1" lang="ja-JP" altLang="en-US"/>
           </a:p>
@@ -782,7 +787,7 @@
           <a:p>
             <a:fld id="{FAFDB3B2-25B6-8E49-BD6C-2F16E5D3C91E}" type="datetimeFigureOut">
               <a:rPr kumimoji="1" lang="ja-JP" altLang="en-US" smtClean="0"/>
-              <a:t>2019/2/12</a:t>
+              <a:t>2019/2/13</a:t>
             </a:fld>
             <a:endParaRPr kumimoji="1" lang="ja-JP" altLang="en-US"/>
           </a:p>
@@ -1063,7 +1068,7 @@
           <a:p>
             <a:fld id="{FAFDB3B2-25B6-8E49-BD6C-2F16E5D3C91E}" type="datetimeFigureOut">
               <a:rPr kumimoji="1" lang="ja-JP" altLang="en-US" smtClean="0"/>
-              <a:t>2019/2/12</a:t>
+              <a:t>2019/2/13</a:t>
             </a:fld>
             <a:endParaRPr kumimoji="1" lang="ja-JP" altLang="en-US"/>
           </a:p>
@@ -1311,7 +1316,7 @@
           <a:p>
             <a:fld id="{FAFDB3B2-25B6-8E49-BD6C-2F16E5D3C91E}" type="datetimeFigureOut">
               <a:rPr kumimoji="1" lang="ja-JP" altLang="en-US" smtClean="0"/>
-              <a:t>2019/2/12</a:t>
+              <a:t>2019/2/13</a:t>
             </a:fld>
             <a:endParaRPr kumimoji="1" lang="ja-JP" altLang="en-US"/>
           </a:p>
@@ -1768,7 +1773,7 @@
           <a:p>
             <a:fld id="{FAFDB3B2-25B6-8E49-BD6C-2F16E5D3C91E}" type="datetimeFigureOut">
               <a:rPr kumimoji="1" lang="ja-JP" altLang="en-US" smtClean="0"/>
-              <a:t>2019/2/12</a:t>
+              <a:t>2019/2/13</a:t>
             </a:fld>
             <a:endParaRPr kumimoji="1" lang="ja-JP" altLang="en-US"/>
           </a:p>
@@ -1886,7 +1891,7 @@
           <a:p>
             <a:fld id="{FAFDB3B2-25B6-8E49-BD6C-2F16E5D3C91E}" type="datetimeFigureOut">
               <a:rPr kumimoji="1" lang="ja-JP" altLang="en-US" smtClean="0"/>
-              <a:t>2019/2/12</a:t>
+              <a:t>2019/2/13</a:t>
             </a:fld>
             <a:endParaRPr kumimoji="1" lang="ja-JP" altLang="en-US"/>
           </a:p>
@@ -1981,7 +1986,7 @@
           <a:p>
             <a:fld id="{FAFDB3B2-25B6-8E49-BD6C-2F16E5D3C91E}" type="datetimeFigureOut">
               <a:rPr kumimoji="1" lang="ja-JP" altLang="en-US" smtClean="0"/>
-              <a:t>2019/2/12</a:t>
+              <a:t>2019/2/13</a:t>
             </a:fld>
             <a:endParaRPr kumimoji="1" lang="ja-JP" altLang="en-US"/>
           </a:p>
@@ -2303,7 +2308,7 @@
           <a:p>
             <a:fld id="{FAFDB3B2-25B6-8E49-BD6C-2F16E5D3C91E}" type="datetimeFigureOut">
               <a:rPr kumimoji="1" lang="ja-JP" altLang="en-US" smtClean="0"/>
-              <a:t>2019/2/12</a:t>
+              <a:t>2019/2/13</a:t>
             </a:fld>
             <a:endParaRPr kumimoji="1" lang="ja-JP" altLang="en-US"/>
           </a:p>
@@ -2597,7 +2602,7 @@
           <a:p>
             <a:fld id="{FAFDB3B2-25B6-8E49-BD6C-2F16E5D3C91E}" type="datetimeFigureOut">
               <a:rPr kumimoji="1" lang="ja-JP" altLang="en-US" smtClean="0"/>
-              <a:t>2019/2/12</a:t>
+              <a:t>2019/2/13</a:t>
             </a:fld>
             <a:endParaRPr kumimoji="1" lang="ja-JP" altLang="en-US"/>
           </a:p>
@@ -2818,7 +2823,7 @@
           <a:p>
             <a:fld id="{FAFDB3B2-25B6-8E49-BD6C-2F16E5D3C91E}" type="datetimeFigureOut">
               <a:rPr kumimoji="1" lang="ja-JP" altLang="en-US" smtClean="0"/>
-              <a:t>2019/2/12</a:t>
+              <a:t>2019/2/13</a:t>
             </a:fld>
             <a:endParaRPr kumimoji="1" lang="ja-JP" altLang="en-US"/>
           </a:p>
@@ -3521,11 +3526,16 @@
         </p:nvSpPr>
         <p:spPr>
           <a:xfrm flipH="1">
-            <a:off x="6460828" y="1859466"/>
+            <a:off x="6460828" y="1991110"/>
             <a:ext cx="963561" cy="1071716"/>
           </a:xfrm>
           <a:prstGeom prst="bentArrow">
-            <a:avLst/>
+            <a:avLst>
+              <a:gd name="adj1" fmla="val 27278"/>
+              <a:gd name="adj2" fmla="val 25000"/>
+              <a:gd name="adj3" fmla="val 25000"/>
+              <a:gd name="adj4" fmla="val 48305"/>
+            </a:avLst>
           </a:prstGeom>
         </p:spPr>
         <p:style>
